--- a/doc/발표자료/1차발표.pptx
+++ b/doc/발표자료/1차발표.pptx
@@ -297,7 +297,7 @@
           <a:p>
             <a:fld id="{5F7BF897-7A43-4066-A496-3071CA3849AD}" type="datetimeFigureOut">
               <a:rPr lang="ko-KR" altLang="en-US" smtClean="0"/>
-              <a:t>2020-10-22</a:t>
+              <a:t>2020-10-23</a:t>
             </a:fld>
             <a:endParaRPr lang="ko-KR" altLang="en-US"/>
           </a:p>
@@ -507,7 +507,7 @@
           <a:p>
             <a:fld id="{5F7BF897-7A43-4066-A496-3071CA3849AD}" type="datetimeFigureOut">
               <a:rPr lang="ko-KR" altLang="en-US" smtClean="0"/>
-              <a:t>2020-10-22</a:t>
+              <a:t>2020-10-23</a:t>
             </a:fld>
             <a:endParaRPr lang="ko-KR" altLang="en-US"/>
           </a:p>
@@ -727,7 +727,7 @@
           <a:p>
             <a:fld id="{5F7BF897-7A43-4066-A496-3071CA3849AD}" type="datetimeFigureOut">
               <a:rPr lang="ko-KR" altLang="en-US" smtClean="0"/>
-              <a:t>2020-10-22</a:t>
+              <a:t>2020-10-23</a:t>
             </a:fld>
             <a:endParaRPr lang="ko-KR" altLang="en-US"/>
           </a:p>
@@ -937,7 +937,7 @@
           <a:p>
             <a:fld id="{5F7BF897-7A43-4066-A496-3071CA3849AD}" type="datetimeFigureOut">
               <a:rPr lang="ko-KR" altLang="en-US" smtClean="0"/>
-              <a:t>2020-10-22</a:t>
+              <a:t>2020-10-23</a:t>
             </a:fld>
             <a:endParaRPr lang="ko-KR" altLang="en-US"/>
           </a:p>
@@ -1224,7 +1224,7 @@
           <a:p>
             <a:fld id="{5F7BF897-7A43-4066-A496-3071CA3849AD}" type="datetimeFigureOut">
               <a:rPr lang="ko-KR" altLang="en-US" smtClean="0"/>
-              <a:t>2020-10-22</a:t>
+              <a:t>2020-10-23</a:t>
             </a:fld>
             <a:endParaRPr lang="ko-KR" altLang="en-US"/>
           </a:p>
@@ -1501,7 +1501,7 @@
           <a:p>
             <a:fld id="{5F7BF897-7A43-4066-A496-3071CA3849AD}" type="datetimeFigureOut">
               <a:rPr lang="ko-KR" altLang="en-US" smtClean="0"/>
-              <a:t>2020-10-22</a:t>
+              <a:t>2020-10-23</a:t>
             </a:fld>
             <a:endParaRPr lang="ko-KR" altLang="en-US"/>
           </a:p>
@@ -1925,7 +1925,7 @@
           <a:p>
             <a:fld id="{5F7BF897-7A43-4066-A496-3071CA3849AD}" type="datetimeFigureOut">
               <a:rPr lang="ko-KR" altLang="en-US" smtClean="0"/>
-              <a:t>2020-10-22</a:t>
+              <a:t>2020-10-23</a:t>
             </a:fld>
             <a:endParaRPr lang="ko-KR" altLang="en-US"/>
           </a:p>
@@ -2078,7 +2078,7 @@
           <a:p>
             <a:fld id="{5F7BF897-7A43-4066-A496-3071CA3849AD}" type="datetimeFigureOut">
               <a:rPr lang="ko-KR" altLang="en-US" smtClean="0"/>
-              <a:t>2020-10-22</a:t>
+              <a:t>2020-10-23</a:t>
             </a:fld>
             <a:endParaRPr lang="ko-KR" altLang="en-US"/>
           </a:p>
@@ -2280,7 +2280,7 @@
           <a:p>
             <a:fld id="{5F7BF897-7A43-4066-A496-3071CA3849AD}" type="datetimeFigureOut">
               <a:rPr lang="ko-KR" altLang="en-US" smtClean="0"/>
-              <a:t>2020-10-22</a:t>
+              <a:t>2020-10-23</a:t>
             </a:fld>
             <a:endParaRPr lang="ko-KR" altLang="en-US"/>
           </a:p>
@@ -2603,7 +2603,7 @@
           <a:p>
             <a:fld id="{5F7BF897-7A43-4066-A496-3071CA3849AD}" type="datetimeFigureOut">
               <a:rPr lang="ko-KR" altLang="en-US" smtClean="0"/>
-              <a:t>2020-10-22</a:t>
+              <a:t>2020-10-23</a:t>
             </a:fld>
             <a:endParaRPr lang="ko-KR" altLang="en-US"/>
           </a:p>
@@ -2903,7 +2903,7 @@
           <a:p>
             <a:fld id="{5F7BF897-7A43-4066-A496-3071CA3849AD}" type="datetimeFigureOut">
               <a:rPr lang="ko-KR" altLang="en-US" smtClean="0"/>
-              <a:t>2020-10-22</a:t>
+              <a:t>2020-10-23</a:t>
             </a:fld>
             <a:endParaRPr lang="ko-KR" altLang="en-US"/>
           </a:p>
@@ -3156,7 +3156,7 @@
           <a:p>
             <a:fld id="{5F7BF897-7A43-4066-A496-3071CA3849AD}" type="datetimeFigureOut">
               <a:rPr lang="ko-KR" altLang="en-US" smtClean="0"/>
-              <a:t>2020-10-22</a:t>
+              <a:t>2020-10-23</a:t>
             </a:fld>
             <a:endParaRPr lang="ko-KR" altLang="en-US"/>
           </a:p>
@@ -3996,18 +3996,25 @@
   <p:clrMapOvr>
     <a:masterClrMapping/>
   </p:clrMapOvr>
-  <mc:AlternateContent xmlns:mc="http://schemas.openxmlformats.org/markup-compatibility/2006" xmlns:p159="http://schemas.microsoft.com/office/powerpoint/2015/09/main">
-    <mc:Choice Requires="p159">
-      <p:transition xmlns:p14="http://schemas.microsoft.com/office/powerpoint/2010/main" spd="slow" p14:dur="2000" advClick="0" advTm="0">
+  <mc:AlternateContent xmlns:mc="http://schemas.openxmlformats.org/markup-compatibility/2006">
+    <mc:Choice xmlns:p159="http://schemas.microsoft.com/office/powerpoint/2015/09/main" Requires="p159">
+      <p:transition xmlns:p14="http://schemas.microsoft.com/office/powerpoint/2010/main" spd="slow" p14:dur="2000">
         <p159:morph option="byObject"/>
       </p:transition>
     </mc:Choice>
-    <mc:Fallback xmlns="">
-      <p:transition spd="slow" advClick="0" advTm="0">
+    <mc:Fallback>
+      <p:transition spd="slow">
         <p:fade/>
       </p:transition>
     </mc:Fallback>
   </mc:AlternateContent>
+  <p:timing>
+    <p:tnLst>
+      <p:par>
+        <p:cTn id="1" dur="indefinite" restart="never" nodeType="tmRoot"/>
+      </p:par>
+    </p:tnLst>
+  </p:timing>
 </p:sld>
 </file>
 
@@ -4846,18 +4853,25 @@
   <p:clrMapOvr>
     <a:masterClrMapping/>
   </p:clrMapOvr>
-  <mc:AlternateContent xmlns:mc="http://schemas.openxmlformats.org/markup-compatibility/2006" xmlns:p159="http://schemas.microsoft.com/office/powerpoint/2015/09/main">
-    <mc:Choice Requires="p159">
-      <p:transition xmlns:p14="http://schemas.microsoft.com/office/powerpoint/2010/main" spd="slow" p14:dur="2000" advClick="0" advTm="0">
+  <mc:AlternateContent xmlns:mc="http://schemas.openxmlformats.org/markup-compatibility/2006">
+    <mc:Choice xmlns:p159="http://schemas.microsoft.com/office/powerpoint/2015/09/main" Requires="p159">
+      <p:transition xmlns:p14="http://schemas.microsoft.com/office/powerpoint/2010/main" spd="slow" p14:dur="2000">
         <p159:morph option="byObject"/>
       </p:transition>
     </mc:Choice>
-    <mc:Fallback xmlns="">
-      <p:transition spd="slow" advClick="0" advTm="0">
+    <mc:Fallback>
+      <p:transition spd="slow">
         <p:fade/>
       </p:transition>
     </mc:Fallback>
   </mc:AlternateContent>
+  <p:timing>
+    <p:tnLst>
+      <p:par>
+        <p:cTn id="1" dur="indefinite" restart="never" nodeType="tmRoot"/>
+      </p:par>
+    </p:tnLst>
+  </p:timing>
 </p:sld>
 </file>
 
@@ -6217,18 +6231,25 @@
   <p:clrMapOvr>
     <a:masterClrMapping/>
   </p:clrMapOvr>
-  <mc:AlternateContent xmlns:mc="http://schemas.openxmlformats.org/markup-compatibility/2006" xmlns:p159="http://schemas.microsoft.com/office/powerpoint/2015/09/main">
-    <mc:Choice Requires="p159">
-      <p:transition xmlns:p14="http://schemas.microsoft.com/office/powerpoint/2010/main" spd="slow" p14:dur="2000" advClick="0" advTm="0">
+  <mc:AlternateContent xmlns:mc="http://schemas.openxmlformats.org/markup-compatibility/2006">
+    <mc:Choice xmlns:p159="http://schemas.microsoft.com/office/powerpoint/2015/09/main" Requires="p159">
+      <p:transition xmlns:p14="http://schemas.microsoft.com/office/powerpoint/2010/main" spd="slow" p14:dur="2000">
         <p159:morph option="byObject"/>
       </p:transition>
     </mc:Choice>
-    <mc:Fallback xmlns="">
-      <p:transition spd="slow" advClick="0" advTm="0">
+    <mc:Fallback>
+      <p:transition spd="slow">
         <p:fade/>
       </p:transition>
     </mc:Fallback>
   </mc:AlternateContent>
+  <p:timing>
+    <p:tnLst>
+      <p:par>
+        <p:cTn id="1" dur="indefinite" restart="never" nodeType="tmRoot"/>
+      </p:par>
+    </p:tnLst>
+  </p:timing>
 </p:sld>
 </file>
 
@@ -6381,14 +6402,7 @@
                 <a:latin typeface="+mj-ea"/>
                 <a:ea typeface="+mj-ea"/>
               </a:rPr>
-              <a:t>Part </a:t>
-            </a:r>
-            <a:r>
-              <a:rPr lang="en-US" altLang="ko-KR" sz="1600" dirty="0">
-                <a:latin typeface="+mj-ea"/>
-                <a:ea typeface="+mj-ea"/>
-              </a:rPr>
-              <a:t>2</a:t>
+              <a:t>Part 2</a:t>
             </a:r>
             <a:r>
               <a:rPr lang="en-US" altLang="ko-KR" sz="1600" dirty="0" smtClean="0">
@@ -6557,7 +6571,7 @@
                   <a14:useLocalDpi xmlns:a14="http://schemas.microsoft.com/office/drawing/2010/main" val="0"/>
                 </a:ext>
                 <a:ext uri="{96DAC541-7B7A-43D3-8B79-37D633B846F1}">
-                  <asvg:svgBlip xmlns:asvg="http://schemas.microsoft.com/office/drawing/2016/SVG/main" xmlns="" r:embed="rId5"/>
+                  <asvg:svgBlip xmlns="" xmlns:asvg="http://schemas.microsoft.com/office/drawing/2016/SVG/main" r:embed="rId5"/>
                 </a:ext>
               </a:extLst>
             </a:blip>
@@ -6663,7 +6677,7 @@
                   <a14:useLocalDpi xmlns:a14="http://schemas.microsoft.com/office/drawing/2010/main" val="0"/>
                 </a:ext>
                 <a:ext uri="{96DAC541-7B7A-43D3-8B79-37D633B846F1}">
-                  <asvg:svgBlip xmlns:asvg="http://schemas.microsoft.com/office/drawing/2016/SVG/main" xmlns="" r:embed="rId3"/>
+                  <asvg:svgBlip xmlns="" xmlns:asvg="http://schemas.microsoft.com/office/drawing/2016/SVG/main" r:embed="rId3"/>
                 </a:ext>
               </a:extLst>
             </a:blip>
@@ -7051,18 +7065,25 @@
   <p:clrMapOvr>
     <a:masterClrMapping/>
   </p:clrMapOvr>
-  <mc:AlternateContent xmlns:mc="http://schemas.openxmlformats.org/markup-compatibility/2006" xmlns:p159="http://schemas.microsoft.com/office/powerpoint/2015/09/main">
-    <mc:Choice Requires="p159">
-      <p:transition xmlns:p14="http://schemas.microsoft.com/office/powerpoint/2010/main" spd="slow" p14:dur="2000" advClick="0" advTm="0">
+  <mc:AlternateContent xmlns:mc="http://schemas.openxmlformats.org/markup-compatibility/2006">
+    <mc:Choice xmlns:p159="http://schemas.microsoft.com/office/powerpoint/2015/09/main" Requires="p159">
+      <p:transition xmlns:p14="http://schemas.microsoft.com/office/powerpoint/2010/main" spd="slow" p14:dur="2000">
         <p159:morph option="byObject"/>
       </p:transition>
     </mc:Choice>
-    <mc:Fallback xmlns="">
-      <p:transition spd="slow" advClick="0" advTm="0">
+    <mc:Fallback>
+      <p:transition spd="slow">
         <p:fade/>
       </p:transition>
     </mc:Fallback>
   </mc:AlternateContent>
+  <p:timing>
+    <p:tnLst>
+      <p:par>
+        <p:cTn id="1" dur="indefinite" restart="never" nodeType="tmRoot"/>
+      </p:par>
+    </p:tnLst>
+  </p:timing>
 </p:sld>
 </file>
 
@@ -7442,18 +7463,25 @@
   <p:clrMapOvr>
     <a:masterClrMapping/>
   </p:clrMapOvr>
-  <mc:AlternateContent xmlns:mc="http://schemas.openxmlformats.org/markup-compatibility/2006" xmlns:p159="http://schemas.microsoft.com/office/powerpoint/2015/09/main">
-    <mc:Choice Requires="p159">
-      <p:transition xmlns:p14="http://schemas.microsoft.com/office/powerpoint/2010/main" spd="slow" p14:dur="2000" advClick="0" advTm="0">
+  <mc:AlternateContent xmlns:mc="http://schemas.openxmlformats.org/markup-compatibility/2006">
+    <mc:Choice xmlns:p159="http://schemas.microsoft.com/office/powerpoint/2015/09/main" Requires="p159">
+      <p:transition xmlns:p14="http://schemas.microsoft.com/office/powerpoint/2010/main" spd="slow" p14:dur="2000">
         <p159:morph option="byObject"/>
       </p:transition>
     </mc:Choice>
-    <mc:Fallback xmlns="">
-      <p:transition spd="slow" advClick="0" advTm="0">
+    <mc:Fallback>
+      <p:transition spd="slow">
         <p:fade/>
       </p:transition>
     </mc:Fallback>
   </mc:AlternateContent>
+  <p:timing>
+    <p:tnLst>
+      <p:par>
+        <p:cTn id="1" dur="indefinite" restart="never" nodeType="tmRoot"/>
+      </p:par>
+    </p:tnLst>
+  </p:timing>
 </p:sld>
 </file>
 
@@ -7780,18 +7808,25 @@
   <p:clrMapOvr>
     <a:masterClrMapping/>
   </p:clrMapOvr>
-  <mc:AlternateContent xmlns:mc="http://schemas.openxmlformats.org/markup-compatibility/2006" xmlns:p159="http://schemas.microsoft.com/office/powerpoint/2015/09/main">
-    <mc:Choice Requires="p159">
-      <p:transition xmlns:p14="http://schemas.microsoft.com/office/powerpoint/2010/main" spd="slow" p14:dur="2000" advClick="0" advTm="0">
+  <mc:AlternateContent xmlns:mc="http://schemas.openxmlformats.org/markup-compatibility/2006">
+    <mc:Choice xmlns:p159="http://schemas.microsoft.com/office/powerpoint/2015/09/main" Requires="p159">
+      <p:transition xmlns:p14="http://schemas.microsoft.com/office/powerpoint/2010/main" spd="slow" p14:dur="2000">
         <p159:morph option="byObject"/>
       </p:transition>
     </mc:Choice>
-    <mc:Fallback xmlns="">
-      <p:transition spd="slow" advClick="0" advTm="0">
+    <mc:Fallback>
+      <p:transition spd="slow">
         <p:fade/>
       </p:transition>
     </mc:Fallback>
   </mc:AlternateContent>
+  <p:timing>
+    <p:tnLst>
+      <p:par>
+        <p:cTn id="1" dur="indefinite" restart="never" nodeType="tmRoot"/>
+      </p:par>
+    </p:tnLst>
+  </p:timing>
 </p:sld>
 </file>
 
@@ -8241,18 +8276,25 @@
   <p:clrMapOvr>
     <a:masterClrMapping/>
   </p:clrMapOvr>
-  <mc:AlternateContent xmlns:mc="http://schemas.openxmlformats.org/markup-compatibility/2006" xmlns:p159="http://schemas.microsoft.com/office/powerpoint/2015/09/main">
-    <mc:Choice Requires="p159">
-      <p:transition xmlns:p14="http://schemas.microsoft.com/office/powerpoint/2010/main" spd="slow" p14:dur="2000" advClick="0" advTm="0">
+  <mc:AlternateContent xmlns:mc="http://schemas.openxmlformats.org/markup-compatibility/2006">
+    <mc:Choice xmlns:p159="http://schemas.microsoft.com/office/powerpoint/2015/09/main" Requires="p159">
+      <p:transition xmlns:p14="http://schemas.microsoft.com/office/powerpoint/2010/main" spd="slow" p14:dur="2000">
         <p159:morph option="byObject"/>
       </p:transition>
     </mc:Choice>
-    <mc:Fallback xmlns="">
-      <p:transition spd="slow" advClick="0" advTm="0">
+    <mc:Fallback>
+      <p:transition spd="slow">
         <p:fade/>
       </p:transition>
     </mc:Fallback>
   </mc:AlternateContent>
+  <p:timing>
+    <p:tnLst>
+      <p:par>
+        <p:cTn id="1" dur="indefinite" restart="never" nodeType="tmRoot"/>
+      </p:par>
+    </p:tnLst>
+  </p:timing>
 </p:sld>
 </file>
 
@@ -8405,14 +8447,7 @@
                 <a:latin typeface="+mj-ea"/>
                 <a:ea typeface="+mj-ea"/>
               </a:rPr>
-              <a:t>Part </a:t>
-            </a:r>
-            <a:r>
-              <a:rPr lang="en-US" altLang="ko-KR" sz="1600" dirty="0">
-                <a:latin typeface="+mj-ea"/>
-                <a:ea typeface="+mj-ea"/>
-              </a:rPr>
-              <a:t>4</a:t>
+              <a:t>Part 4</a:t>
             </a:r>
             <a:r>
               <a:rPr lang="en-US" altLang="ko-KR" sz="1600" dirty="0" smtClean="0">
@@ -9095,18 +9130,25 @@
   <p:clrMapOvr>
     <a:masterClrMapping/>
   </p:clrMapOvr>
-  <mc:AlternateContent xmlns:mc="http://schemas.openxmlformats.org/markup-compatibility/2006" xmlns:p159="http://schemas.microsoft.com/office/powerpoint/2015/09/main">
-    <mc:Choice Requires="p159">
-      <p:transition xmlns:p14="http://schemas.microsoft.com/office/powerpoint/2010/main" spd="slow" p14:dur="2000" advClick="0" advTm="0">
+  <mc:AlternateContent xmlns:mc="http://schemas.openxmlformats.org/markup-compatibility/2006">
+    <mc:Choice xmlns:p159="http://schemas.microsoft.com/office/powerpoint/2015/09/main" Requires="p159">
+      <p:transition xmlns:p14="http://schemas.microsoft.com/office/powerpoint/2010/main" spd="slow" p14:dur="2000">
         <p159:morph option="byObject"/>
       </p:transition>
     </mc:Choice>
-    <mc:Fallback xmlns="">
-      <p:transition spd="slow" advClick="0" advTm="0">
+    <mc:Fallback>
+      <p:transition spd="slow">
         <p:fade/>
       </p:transition>
     </mc:Fallback>
   </mc:AlternateContent>
+  <p:timing>
+    <p:tnLst>
+      <p:par>
+        <p:cTn id="1" dur="indefinite" restart="never" nodeType="tmRoot"/>
+      </p:par>
+    </p:tnLst>
+  </p:timing>
 </p:sld>
 </file>
 
@@ -9271,18 +9313,25 @@
   <p:clrMapOvr>
     <a:masterClrMapping/>
   </p:clrMapOvr>
-  <mc:AlternateContent xmlns:mc="http://schemas.openxmlformats.org/markup-compatibility/2006" xmlns:p159="http://schemas.microsoft.com/office/powerpoint/2015/09/main">
-    <mc:Choice Requires="p159">
-      <p:transition xmlns:p14="http://schemas.microsoft.com/office/powerpoint/2010/main" spd="slow" p14:dur="2000" advClick="0" advTm="0">
+  <mc:AlternateContent xmlns:mc="http://schemas.openxmlformats.org/markup-compatibility/2006">
+    <mc:Choice xmlns:p159="http://schemas.microsoft.com/office/powerpoint/2015/09/main" Requires="p159">
+      <p:transition xmlns:p14="http://schemas.microsoft.com/office/powerpoint/2010/main" spd="slow" p14:dur="2000">
         <p159:morph option="byObject"/>
       </p:transition>
     </mc:Choice>
-    <mc:Fallback xmlns="">
-      <p:transition spd="slow" advClick="0" advTm="0">
+    <mc:Fallback>
+      <p:transition spd="slow">
         <p:fade/>
       </p:transition>
     </mc:Fallback>
   </mc:AlternateContent>
+  <p:timing>
+    <p:tnLst>
+      <p:par>
+        <p:cTn id="1" dur="indefinite" restart="never" nodeType="tmRoot"/>
+      </p:par>
+    </p:tnLst>
+  </p:timing>
 </p:sld>
 </file>
 
